--- a/assets/ppt/etc.pptx
+++ b/assets/ppt/etc.pptx
@@ -8,6 +8,7 @@
     <p:sldId id="256" r:id="rId2"/>
     <p:sldId id="257" r:id="rId3"/>
     <p:sldId id="258" r:id="rId4"/>
+    <p:sldId id="259" r:id="rId5"/>
   </p:sldIdLst>
   <p:sldSz cx="12192000" cy="6858000"/>
   <p:notesSz cx="6858000" cy="9144000"/>
@@ -106,6 +107,11 @@
       </a:defRPr>
     </a:lvl9pPr>
   </p:defaultTextStyle>
+  <p:extLst>
+    <p:ext uri="{EFAFB233-063F-42B5-8137-9DF3F51BA10A}">
+      <p15:sldGuideLst xmlns:p15="http://schemas.microsoft.com/office/powerpoint/2012/main"/>
+    </p:ext>
+  </p:extLst>
 </p:presentation>
 </file>
 
@@ -256,7 +262,7 @@
           <a:p>
             <a:fld id="{042A800A-FE68-4614-B031-E7CD12DEE7B5}" type="datetimeFigureOut">
               <a:rPr lang="ko-KR" altLang="en-US" smtClean="0"/>
-              <a:t>2024-01-21</a:t>
+              <a:t>2024-09-10</a:t>
             </a:fld>
             <a:endParaRPr lang="ko-KR" altLang="en-US"/>
           </a:p>
@@ -454,7 +460,7 @@
           <a:p>
             <a:fld id="{042A800A-FE68-4614-B031-E7CD12DEE7B5}" type="datetimeFigureOut">
               <a:rPr lang="ko-KR" altLang="en-US" smtClean="0"/>
-              <a:t>2024-01-21</a:t>
+              <a:t>2024-09-10</a:t>
             </a:fld>
             <a:endParaRPr lang="ko-KR" altLang="en-US"/>
           </a:p>
@@ -662,7 +668,7 @@
           <a:p>
             <a:fld id="{042A800A-FE68-4614-B031-E7CD12DEE7B5}" type="datetimeFigureOut">
               <a:rPr lang="ko-KR" altLang="en-US" smtClean="0"/>
-              <a:t>2024-01-21</a:t>
+              <a:t>2024-09-10</a:t>
             </a:fld>
             <a:endParaRPr lang="ko-KR" altLang="en-US"/>
           </a:p>
@@ -860,7 +866,7 @@
           <a:p>
             <a:fld id="{042A800A-FE68-4614-B031-E7CD12DEE7B5}" type="datetimeFigureOut">
               <a:rPr lang="ko-KR" altLang="en-US" smtClean="0"/>
-              <a:t>2024-01-21</a:t>
+              <a:t>2024-09-10</a:t>
             </a:fld>
             <a:endParaRPr lang="ko-KR" altLang="en-US"/>
           </a:p>
@@ -1135,7 +1141,7 @@
           <a:p>
             <a:fld id="{042A800A-FE68-4614-B031-E7CD12DEE7B5}" type="datetimeFigureOut">
               <a:rPr lang="ko-KR" altLang="en-US" smtClean="0"/>
-              <a:t>2024-01-21</a:t>
+              <a:t>2024-09-10</a:t>
             </a:fld>
             <a:endParaRPr lang="ko-KR" altLang="en-US"/>
           </a:p>
@@ -1400,7 +1406,7 @@
           <a:p>
             <a:fld id="{042A800A-FE68-4614-B031-E7CD12DEE7B5}" type="datetimeFigureOut">
               <a:rPr lang="ko-KR" altLang="en-US" smtClean="0"/>
-              <a:t>2024-01-21</a:t>
+              <a:t>2024-09-10</a:t>
             </a:fld>
             <a:endParaRPr lang="ko-KR" altLang="en-US"/>
           </a:p>
@@ -1812,7 +1818,7 @@
           <a:p>
             <a:fld id="{042A800A-FE68-4614-B031-E7CD12DEE7B5}" type="datetimeFigureOut">
               <a:rPr lang="ko-KR" altLang="en-US" smtClean="0"/>
-              <a:t>2024-01-21</a:t>
+              <a:t>2024-09-10</a:t>
             </a:fld>
             <a:endParaRPr lang="ko-KR" altLang="en-US"/>
           </a:p>
@@ -1953,7 +1959,7 @@
           <a:p>
             <a:fld id="{042A800A-FE68-4614-B031-E7CD12DEE7B5}" type="datetimeFigureOut">
               <a:rPr lang="ko-KR" altLang="en-US" smtClean="0"/>
-              <a:t>2024-01-21</a:t>
+              <a:t>2024-09-10</a:t>
             </a:fld>
             <a:endParaRPr lang="ko-KR" altLang="en-US"/>
           </a:p>
@@ -2066,7 +2072,7 @@
           <a:p>
             <a:fld id="{042A800A-FE68-4614-B031-E7CD12DEE7B5}" type="datetimeFigureOut">
               <a:rPr lang="ko-KR" altLang="en-US" smtClean="0"/>
-              <a:t>2024-01-21</a:t>
+              <a:t>2024-09-10</a:t>
             </a:fld>
             <a:endParaRPr lang="ko-KR" altLang="en-US"/>
           </a:p>
@@ -2377,7 +2383,7 @@
           <a:p>
             <a:fld id="{042A800A-FE68-4614-B031-E7CD12DEE7B5}" type="datetimeFigureOut">
               <a:rPr lang="ko-KR" altLang="en-US" smtClean="0"/>
-              <a:t>2024-01-21</a:t>
+              <a:t>2024-09-10</a:t>
             </a:fld>
             <a:endParaRPr lang="ko-KR" altLang="en-US"/>
           </a:p>
@@ -2665,7 +2671,7 @@
           <a:p>
             <a:fld id="{042A800A-FE68-4614-B031-E7CD12DEE7B5}" type="datetimeFigureOut">
               <a:rPr lang="ko-KR" altLang="en-US" smtClean="0"/>
-              <a:t>2024-01-21</a:t>
+              <a:t>2024-09-10</a:t>
             </a:fld>
             <a:endParaRPr lang="ko-KR" altLang="en-US"/>
           </a:p>
@@ -2906,7 +2912,7 @@
           <a:p>
             <a:fld id="{042A800A-FE68-4614-B031-E7CD12DEE7B5}" type="datetimeFigureOut">
               <a:rPr lang="ko-KR" altLang="en-US" smtClean="0"/>
-              <a:t>2024-01-21</a:t>
+              <a:t>2024-09-10</a:t>
             </a:fld>
             <a:endParaRPr lang="ko-KR" altLang="en-US"/>
           </a:p>
@@ -5004,6 +5010,863 @@
 </p:sld>
 </file>
 
+<file path=ppt/slides/slide4.xml><?xml version="1.0" encoding="utf-8"?>
+<p:sld xmlns:a="http://schemas.openxmlformats.org/drawingml/2006/main" xmlns:r="http://schemas.openxmlformats.org/officeDocument/2006/relationships" xmlns:p="http://schemas.openxmlformats.org/presentationml/2006/main">
+  <p:cSld>
+    <p:spTree>
+      <p:nvGrpSpPr>
+        <p:cNvPr id="1" name=""/>
+        <p:cNvGrpSpPr/>
+        <p:nvPr/>
+      </p:nvGrpSpPr>
+      <p:grpSpPr>
+        <a:xfrm>
+          <a:off x="0" y="0"/>
+          <a:ext cx="0" cy="0"/>
+          <a:chOff x="0" y="0"/>
+          <a:chExt cx="0" cy="0"/>
+        </a:xfrm>
+      </p:grpSpPr>
+      <p:sp>
+        <p:nvSpPr>
+          <p:cNvPr id="2" name="직사각형 1">
+            <a:extLst>
+              <a:ext uri="{FF2B5EF4-FFF2-40B4-BE49-F238E27FC236}">
+                <a16:creationId xmlns:a16="http://schemas.microsoft.com/office/drawing/2014/main" id="{83B7BD10-25AB-2039-8468-6AF1C05B45CB}"/>
+              </a:ext>
+            </a:extLst>
+          </p:cNvPr>
+          <p:cNvSpPr/>
+          <p:nvPr/>
+        </p:nvSpPr>
+        <p:spPr>
+          <a:xfrm>
+            <a:off x="2863273" y="1634834"/>
+            <a:ext cx="2309091" cy="609604"/>
+          </a:xfrm>
+          <a:prstGeom prst="rect">
+            <a:avLst/>
+          </a:prstGeom>
+        </p:spPr>
+        <p:style>
+          <a:lnRef idx="2">
+            <a:schemeClr val="accent6">
+              <a:shade val="15000"/>
+            </a:schemeClr>
+          </a:lnRef>
+          <a:fillRef idx="1">
+            <a:schemeClr val="accent6"/>
+          </a:fillRef>
+          <a:effectRef idx="0">
+            <a:schemeClr val="accent6"/>
+          </a:effectRef>
+          <a:fontRef idx="minor">
+            <a:schemeClr val="lt1"/>
+          </a:fontRef>
+        </p:style>
+        <p:txBody>
+          <a:bodyPr rtlCol="0" anchor="ctr"/>
+          <a:lstStyle/>
+          <a:p>
+            <a:pPr algn="ctr"/>
+            <a:r>
+              <a:rPr lang="ko-KR" altLang="en-US" dirty="0"/>
+              <a:t>테스트 </a:t>
+            </a:r>
+            <a:r>
+              <a:rPr lang="en-US" altLang="ko-KR" dirty="0"/>
+              <a:t>UI </a:t>
+            </a:r>
+            <a:r>
+              <a:rPr lang="ko-KR" altLang="en-US" dirty="0"/>
+              <a:t>프로그램</a:t>
+            </a:r>
+          </a:p>
+        </p:txBody>
+      </p:sp>
+      <p:pic>
+        <p:nvPicPr>
+          <p:cNvPr id="5" name="Picture 6" descr="D:\leeyeonjun\leeyeonjun85.github.io.git\assets\images\etc\ppt_script\person_4.png">
+            <a:extLst>
+              <a:ext uri="{FF2B5EF4-FFF2-40B4-BE49-F238E27FC236}">
+                <a16:creationId xmlns:a16="http://schemas.microsoft.com/office/drawing/2014/main" id="{FA18BA40-AC77-AEAD-5C85-81ADF765A16C}"/>
+              </a:ext>
+            </a:extLst>
+          </p:cNvPr>
+          <p:cNvPicPr>
+            <a:picLocks noChangeAspect="1" noChangeArrowheads="1"/>
+          </p:cNvPicPr>
+          <p:nvPr/>
+        </p:nvPicPr>
+        <p:blipFill>
+          <a:blip r:embed="rId2" cstate="print">
+            <a:extLst>
+              <a:ext uri="{28A0092B-C50C-407E-A947-70E740481C1C}">
+                <a14:useLocalDpi xmlns:a14="http://schemas.microsoft.com/office/drawing/2010/main" val="0"/>
+              </a:ext>
+            </a:extLst>
+          </a:blip>
+          <a:srcRect/>
+          <a:stretch>
+            <a:fillRect/>
+          </a:stretch>
+        </p:blipFill>
+        <p:spPr bwMode="auto">
+          <a:xfrm>
+            <a:off x="1537856" y="2484155"/>
+            <a:ext cx="775855" cy="780320"/>
+          </a:xfrm>
+          <a:prstGeom prst="rect">
+            <a:avLst/>
+          </a:prstGeom>
+          <a:noFill/>
+          <a:extLst>
+            <a:ext uri="{909E8E84-426E-40DD-AFC4-6F175D3DCCD1}">
+              <a14:hiddenFill xmlns:a14="http://schemas.microsoft.com/office/drawing/2010/main">
+                <a:solidFill>
+                  <a:srgbClr val="FFFFFF"/>
+                </a:solidFill>
+              </a14:hiddenFill>
+            </a:ext>
+          </a:extLst>
+        </p:spPr>
+      </p:pic>
+      <p:sp>
+        <p:nvSpPr>
+          <p:cNvPr id="6" name="화살표: 오른쪽 5">
+            <a:extLst>
+              <a:ext uri="{FF2B5EF4-FFF2-40B4-BE49-F238E27FC236}">
+                <a16:creationId xmlns:a16="http://schemas.microsoft.com/office/drawing/2014/main" id="{2102CF88-6565-5447-2E53-6A81C648C659}"/>
+              </a:ext>
+            </a:extLst>
+          </p:cNvPr>
+          <p:cNvSpPr/>
+          <p:nvPr/>
+        </p:nvSpPr>
+        <p:spPr>
+          <a:xfrm>
+            <a:off x="2346034" y="2594263"/>
+            <a:ext cx="378691" cy="648855"/>
+          </a:xfrm>
+          <a:prstGeom prst="rightArrow">
+            <a:avLst/>
+          </a:prstGeom>
+        </p:spPr>
+        <p:style>
+          <a:lnRef idx="2">
+            <a:schemeClr val="accent1">
+              <a:shade val="15000"/>
+            </a:schemeClr>
+          </a:lnRef>
+          <a:fillRef idx="1">
+            <a:schemeClr val="accent1"/>
+          </a:fillRef>
+          <a:effectRef idx="0">
+            <a:schemeClr val="accent1"/>
+          </a:effectRef>
+          <a:fontRef idx="minor">
+            <a:schemeClr val="lt1"/>
+          </a:fontRef>
+        </p:style>
+        <p:txBody>
+          <a:bodyPr rtlCol="0" anchor="ctr"/>
+          <a:lstStyle/>
+          <a:p>
+            <a:pPr algn="ctr"/>
+            <a:endParaRPr lang="ko-KR" altLang="en-US"/>
+          </a:p>
+        </p:txBody>
+      </p:sp>
+      <p:sp>
+        <p:nvSpPr>
+          <p:cNvPr id="7" name="직사각형 6">
+            <a:extLst>
+              <a:ext uri="{FF2B5EF4-FFF2-40B4-BE49-F238E27FC236}">
+                <a16:creationId xmlns:a16="http://schemas.microsoft.com/office/drawing/2014/main" id="{DC8E2C06-DD9F-A63E-9962-76E42E29FE32}"/>
+              </a:ext>
+            </a:extLst>
+          </p:cNvPr>
+          <p:cNvSpPr/>
+          <p:nvPr/>
+        </p:nvSpPr>
+        <p:spPr>
+          <a:xfrm>
+            <a:off x="2863273" y="2289460"/>
+            <a:ext cx="2309091" cy="1950031"/>
+          </a:xfrm>
+          <a:prstGeom prst="rect">
+            <a:avLst/>
+          </a:prstGeom>
+          <a:noFill/>
+        </p:spPr>
+        <p:style>
+          <a:lnRef idx="2">
+            <a:schemeClr val="accent6">
+              <a:shade val="15000"/>
+            </a:schemeClr>
+          </a:lnRef>
+          <a:fillRef idx="1">
+            <a:schemeClr val="accent6"/>
+          </a:fillRef>
+          <a:effectRef idx="0">
+            <a:schemeClr val="accent6"/>
+          </a:effectRef>
+          <a:fontRef idx="minor">
+            <a:schemeClr val="lt1"/>
+          </a:fontRef>
+        </p:style>
+        <p:txBody>
+          <a:bodyPr rtlCol="0" anchor="t"/>
+          <a:lstStyle/>
+          <a:p>
+            <a:pPr marL="285750" indent="-285750">
+              <a:lnSpc>
+                <a:spcPct val="150000"/>
+              </a:lnSpc>
+              <a:buFont typeface="Arial" panose="020B0604020202020204" pitchFamily="34" charset="0"/>
+              <a:buChar char="•"/>
+            </a:pPr>
+            <a:r>
+              <a:rPr lang="ko-KR" altLang="en-US" dirty="0">
+                <a:solidFill>
+                  <a:schemeClr val="tx1"/>
+                </a:solidFill>
+              </a:rPr>
+              <a:t>구글 </a:t>
+            </a:r>
+            <a:r>
+              <a:rPr lang="en-US" altLang="ko-KR" dirty="0">
+                <a:solidFill>
+                  <a:schemeClr val="tx1"/>
+                </a:solidFill>
+              </a:rPr>
+              <a:t>API </a:t>
+            </a:r>
+            <a:r>
+              <a:rPr lang="ko-KR" altLang="en-US" dirty="0">
+                <a:solidFill>
+                  <a:schemeClr val="tx1"/>
+                </a:solidFill>
+              </a:rPr>
+              <a:t>로그인</a:t>
+            </a:r>
+            <a:endParaRPr lang="en-US" altLang="ko-KR" dirty="0">
+              <a:solidFill>
+                <a:schemeClr val="tx1"/>
+              </a:solidFill>
+            </a:endParaRPr>
+          </a:p>
+          <a:p>
+            <a:pPr marL="285750" indent="-285750">
+              <a:lnSpc>
+                <a:spcPct val="150000"/>
+              </a:lnSpc>
+              <a:buFont typeface="Arial" panose="020B0604020202020204" pitchFamily="34" charset="0"/>
+              <a:buChar char="•"/>
+            </a:pPr>
+            <a:r>
+              <a:rPr lang="ko-KR" altLang="en-US" dirty="0">
+                <a:solidFill>
+                  <a:schemeClr val="tx1"/>
+                </a:solidFill>
+              </a:rPr>
+              <a:t>이벤트 조회</a:t>
+            </a:r>
+            <a:endParaRPr lang="en-US" altLang="ko-KR" dirty="0">
+              <a:solidFill>
+                <a:schemeClr val="tx1"/>
+              </a:solidFill>
+            </a:endParaRPr>
+          </a:p>
+          <a:p>
+            <a:pPr marL="285750" indent="-285750">
+              <a:lnSpc>
+                <a:spcPct val="150000"/>
+              </a:lnSpc>
+              <a:buFont typeface="Arial" panose="020B0604020202020204" pitchFamily="34" charset="0"/>
+              <a:buChar char="•"/>
+            </a:pPr>
+            <a:r>
+              <a:rPr lang="ko-KR" altLang="en-US" dirty="0">
+                <a:solidFill>
+                  <a:schemeClr val="tx1"/>
+                </a:solidFill>
+              </a:rPr>
+              <a:t>이벤트 추가</a:t>
+            </a:r>
+            <a:endParaRPr lang="en-US" altLang="ko-KR" dirty="0">
+              <a:solidFill>
+                <a:schemeClr val="tx1"/>
+              </a:solidFill>
+            </a:endParaRPr>
+          </a:p>
+          <a:p>
+            <a:pPr marL="285750" indent="-285750">
+              <a:lnSpc>
+                <a:spcPct val="150000"/>
+              </a:lnSpc>
+              <a:buFont typeface="Arial" panose="020B0604020202020204" pitchFamily="34" charset="0"/>
+              <a:buChar char="•"/>
+            </a:pPr>
+            <a:r>
+              <a:rPr lang="ko-KR" altLang="en-US" dirty="0">
+                <a:solidFill>
+                  <a:schemeClr val="tx1"/>
+                </a:solidFill>
+              </a:rPr>
+              <a:t>이벤트 삭제</a:t>
+            </a:r>
+            <a:endParaRPr lang="en-US" altLang="ko-KR" dirty="0">
+              <a:solidFill>
+                <a:schemeClr val="tx1"/>
+              </a:solidFill>
+            </a:endParaRPr>
+          </a:p>
+          <a:p>
+            <a:pPr>
+              <a:lnSpc>
+                <a:spcPct val="150000"/>
+              </a:lnSpc>
+            </a:pPr>
+            <a:endParaRPr lang="ko-KR" altLang="en-US" dirty="0">
+              <a:solidFill>
+                <a:schemeClr val="tx1"/>
+              </a:solidFill>
+            </a:endParaRPr>
+          </a:p>
+        </p:txBody>
+      </p:sp>
+      <p:sp>
+        <p:nvSpPr>
+          <p:cNvPr id="9" name="직사각형 8">
+            <a:extLst>
+              <a:ext uri="{FF2B5EF4-FFF2-40B4-BE49-F238E27FC236}">
+                <a16:creationId xmlns:a16="http://schemas.microsoft.com/office/drawing/2014/main" id="{3F05AF76-5FC8-85C6-9C45-8CBA38BFFE26}"/>
+              </a:ext>
+            </a:extLst>
+          </p:cNvPr>
+          <p:cNvSpPr/>
+          <p:nvPr/>
+        </p:nvSpPr>
+        <p:spPr>
+          <a:xfrm>
+            <a:off x="5731164" y="1874551"/>
+            <a:ext cx="2309091" cy="609604"/>
+          </a:xfrm>
+          <a:prstGeom prst="rect">
+            <a:avLst/>
+          </a:prstGeom>
+        </p:spPr>
+        <p:style>
+          <a:lnRef idx="2">
+            <a:schemeClr val="accent5">
+              <a:shade val="15000"/>
+            </a:schemeClr>
+          </a:lnRef>
+          <a:fillRef idx="1">
+            <a:schemeClr val="accent5"/>
+          </a:fillRef>
+          <a:effectRef idx="0">
+            <a:schemeClr val="accent5"/>
+          </a:effectRef>
+          <a:fontRef idx="minor">
+            <a:schemeClr val="lt1"/>
+          </a:fontRef>
+        </p:style>
+        <p:txBody>
+          <a:bodyPr rtlCol="0" anchor="ctr"/>
+          <a:lstStyle/>
+          <a:p>
+            <a:pPr algn="ctr"/>
+            <a:r>
+              <a:rPr lang="ko-KR" altLang="en-US" dirty="0"/>
+              <a:t>구글 </a:t>
+            </a:r>
+            <a:r>
+              <a:rPr lang="en-US" altLang="ko-KR" dirty="0"/>
+              <a:t>API</a:t>
+            </a:r>
+            <a:endParaRPr lang="ko-KR" altLang="en-US" dirty="0"/>
+          </a:p>
+        </p:txBody>
+      </p:sp>
+      <p:sp>
+        <p:nvSpPr>
+          <p:cNvPr id="10" name="직사각형 9">
+            <a:extLst>
+              <a:ext uri="{FF2B5EF4-FFF2-40B4-BE49-F238E27FC236}">
+                <a16:creationId xmlns:a16="http://schemas.microsoft.com/office/drawing/2014/main" id="{1B979694-A4E5-0074-2B37-21B23F00053D}"/>
+              </a:ext>
+            </a:extLst>
+          </p:cNvPr>
+          <p:cNvSpPr/>
+          <p:nvPr/>
+        </p:nvSpPr>
+        <p:spPr>
+          <a:xfrm>
+            <a:off x="5731164" y="2529177"/>
+            <a:ext cx="2309091" cy="1432795"/>
+          </a:xfrm>
+          <a:prstGeom prst="rect">
+            <a:avLst/>
+          </a:prstGeom>
+          <a:noFill/>
+        </p:spPr>
+        <p:style>
+          <a:lnRef idx="2">
+            <a:schemeClr val="accent6">
+              <a:shade val="15000"/>
+            </a:schemeClr>
+          </a:lnRef>
+          <a:fillRef idx="1">
+            <a:schemeClr val="accent6"/>
+          </a:fillRef>
+          <a:effectRef idx="0">
+            <a:schemeClr val="accent6"/>
+          </a:effectRef>
+          <a:fontRef idx="minor">
+            <a:schemeClr val="lt1"/>
+          </a:fontRef>
+        </p:style>
+        <p:txBody>
+          <a:bodyPr rtlCol="0" anchor="t"/>
+          <a:lstStyle/>
+          <a:p>
+            <a:pPr marL="285750" indent="-285750">
+              <a:lnSpc>
+                <a:spcPct val="150000"/>
+              </a:lnSpc>
+              <a:buFont typeface="Arial" panose="020B0604020202020204" pitchFamily="34" charset="0"/>
+              <a:buChar char="•"/>
+            </a:pPr>
+            <a:r>
+              <a:rPr lang="en-US" altLang="ko-KR" dirty="0" err="1">
+                <a:solidFill>
+                  <a:schemeClr val="tx1"/>
+                </a:solidFill>
+              </a:rPr>
+              <a:t>Oauth</a:t>
+            </a:r>
+            <a:r>
+              <a:rPr lang="en-US" altLang="ko-KR" dirty="0">
+                <a:solidFill>
+                  <a:schemeClr val="tx1"/>
+                </a:solidFill>
+              </a:rPr>
+              <a:t> </a:t>
+            </a:r>
+            <a:r>
+              <a:rPr lang="ko-KR" altLang="en-US" dirty="0">
+                <a:solidFill>
+                  <a:schemeClr val="tx1"/>
+                </a:solidFill>
+              </a:rPr>
+              <a:t>로그인</a:t>
+            </a:r>
+            <a:endParaRPr lang="en-US" altLang="ko-KR" dirty="0">
+              <a:solidFill>
+                <a:schemeClr val="tx1"/>
+              </a:solidFill>
+            </a:endParaRPr>
+          </a:p>
+          <a:p>
+            <a:pPr marL="285750" indent="-285750">
+              <a:lnSpc>
+                <a:spcPct val="150000"/>
+              </a:lnSpc>
+              <a:buFont typeface="Arial" panose="020B0604020202020204" pitchFamily="34" charset="0"/>
+              <a:buChar char="•"/>
+            </a:pPr>
+            <a:r>
+              <a:rPr lang="ko-KR" altLang="en-US" dirty="0">
+                <a:solidFill>
+                  <a:schemeClr val="tx1"/>
+                </a:solidFill>
+              </a:rPr>
+              <a:t>캘린더 </a:t>
+            </a:r>
+            <a:r>
+              <a:rPr lang="en-US" altLang="ko-KR" dirty="0">
+                <a:solidFill>
+                  <a:schemeClr val="tx1"/>
+                </a:solidFill>
+              </a:rPr>
+              <a:t>API</a:t>
+            </a:r>
+          </a:p>
+          <a:p>
+            <a:pPr marL="285750" indent="-285750">
+              <a:lnSpc>
+                <a:spcPct val="150000"/>
+              </a:lnSpc>
+              <a:buFont typeface="Arial" panose="020B0604020202020204" pitchFamily="34" charset="0"/>
+              <a:buChar char="•"/>
+            </a:pPr>
+            <a:r>
+              <a:rPr lang="ko-KR" altLang="en-US" dirty="0">
+                <a:solidFill>
+                  <a:schemeClr val="tx1"/>
+                </a:solidFill>
+              </a:rPr>
+              <a:t>드라이브 </a:t>
+            </a:r>
+            <a:r>
+              <a:rPr lang="en-US" altLang="ko-KR" dirty="0">
+                <a:solidFill>
+                  <a:schemeClr val="tx1"/>
+                </a:solidFill>
+              </a:rPr>
+              <a:t>API</a:t>
+            </a:r>
+          </a:p>
+        </p:txBody>
+      </p:sp>
+      <p:sp>
+        <p:nvSpPr>
+          <p:cNvPr id="11" name="직사각형 10">
+            <a:extLst>
+              <a:ext uri="{FF2B5EF4-FFF2-40B4-BE49-F238E27FC236}">
+                <a16:creationId xmlns:a16="http://schemas.microsoft.com/office/drawing/2014/main" id="{51887A89-65FD-E384-2C11-F09AD970650D}"/>
+              </a:ext>
+            </a:extLst>
+          </p:cNvPr>
+          <p:cNvSpPr/>
+          <p:nvPr/>
+        </p:nvSpPr>
+        <p:spPr>
+          <a:xfrm>
+            <a:off x="8589817" y="757379"/>
+            <a:ext cx="2309091" cy="609604"/>
+          </a:xfrm>
+          <a:prstGeom prst="rect">
+            <a:avLst/>
+          </a:prstGeom>
+        </p:spPr>
+        <p:style>
+          <a:lnRef idx="2">
+            <a:schemeClr val="accent2">
+              <a:shade val="15000"/>
+            </a:schemeClr>
+          </a:lnRef>
+          <a:fillRef idx="1">
+            <a:schemeClr val="accent2"/>
+          </a:fillRef>
+          <a:effectRef idx="0">
+            <a:schemeClr val="accent2"/>
+          </a:effectRef>
+          <a:fontRef idx="minor">
+            <a:schemeClr val="lt1"/>
+          </a:fontRef>
+        </p:style>
+        <p:txBody>
+          <a:bodyPr rtlCol="0" anchor="ctr"/>
+          <a:lstStyle/>
+          <a:p>
+            <a:pPr algn="ctr"/>
+            <a:r>
+              <a:rPr lang="ko-KR" altLang="en-US" dirty="0"/>
+              <a:t>캘린더 </a:t>
+            </a:r>
+            <a:r>
+              <a:rPr lang="en-US" altLang="ko-KR" dirty="0"/>
+              <a:t>API</a:t>
+            </a:r>
+            <a:endParaRPr lang="ko-KR" altLang="en-US" dirty="0"/>
+          </a:p>
+        </p:txBody>
+      </p:sp>
+      <p:sp>
+        <p:nvSpPr>
+          <p:cNvPr id="12" name="직사각형 11">
+            <a:extLst>
+              <a:ext uri="{FF2B5EF4-FFF2-40B4-BE49-F238E27FC236}">
+                <a16:creationId xmlns:a16="http://schemas.microsoft.com/office/drawing/2014/main" id="{BD0523C0-8269-B8B0-9626-C016C2F13266}"/>
+              </a:ext>
+            </a:extLst>
+          </p:cNvPr>
+          <p:cNvSpPr/>
+          <p:nvPr/>
+        </p:nvSpPr>
+        <p:spPr>
+          <a:xfrm>
+            <a:off x="8589817" y="1412005"/>
+            <a:ext cx="2309091" cy="1432795"/>
+          </a:xfrm>
+          <a:prstGeom prst="rect">
+            <a:avLst/>
+          </a:prstGeom>
+          <a:noFill/>
+        </p:spPr>
+        <p:style>
+          <a:lnRef idx="2">
+            <a:schemeClr val="accent6">
+              <a:shade val="15000"/>
+            </a:schemeClr>
+          </a:lnRef>
+          <a:fillRef idx="1">
+            <a:schemeClr val="accent6"/>
+          </a:fillRef>
+          <a:effectRef idx="0">
+            <a:schemeClr val="accent6"/>
+          </a:effectRef>
+          <a:fontRef idx="minor">
+            <a:schemeClr val="lt1"/>
+          </a:fontRef>
+        </p:style>
+        <p:txBody>
+          <a:bodyPr rtlCol="0" anchor="t"/>
+          <a:lstStyle/>
+          <a:p>
+            <a:pPr marL="285750" indent="-285750">
+              <a:lnSpc>
+                <a:spcPct val="150000"/>
+              </a:lnSpc>
+              <a:buFont typeface="Arial" panose="020B0604020202020204" pitchFamily="34" charset="0"/>
+              <a:buChar char="•"/>
+            </a:pPr>
+            <a:r>
+              <a:rPr lang="ko-KR" altLang="en-US" dirty="0">
+                <a:solidFill>
+                  <a:schemeClr val="tx1"/>
+                </a:solidFill>
+              </a:rPr>
+              <a:t>이벤트 조회</a:t>
+            </a:r>
+            <a:endParaRPr lang="en-US" altLang="ko-KR" dirty="0">
+              <a:solidFill>
+                <a:schemeClr val="tx1"/>
+              </a:solidFill>
+            </a:endParaRPr>
+          </a:p>
+          <a:p>
+            <a:pPr marL="285750" indent="-285750">
+              <a:lnSpc>
+                <a:spcPct val="150000"/>
+              </a:lnSpc>
+              <a:buFont typeface="Arial" panose="020B0604020202020204" pitchFamily="34" charset="0"/>
+              <a:buChar char="•"/>
+            </a:pPr>
+            <a:r>
+              <a:rPr lang="ko-KR" altLang="en-US" dirty="0">
+                <a:solidFill>
+                  <a:schemeClr val="tx1"/>
+                </a:solidFill>
+              </a:rPr>
+              <a:t>이벤트 추가</a:t>
+            </a:r>
+            <a:endParaRPr lang="en-US" altLang="ko-KR" dirty="0">
+              <a:solidFill>
+                <a:schemeClr val="tx1"/>
+              </a:solidFill>
+            </a:endParaRPr>
+          </a:p>
+          <a:p>
+            <a:pPr marL="285750" indent="-285750">
+              <a:lnSpc>
+                <a:spcPct val="150000"/>
+              </a:lnSpc>
+              <a:buFont typeface="Arial" panose="020B0604020202020204" pitchFamily="34" charset="0"/>
+              <a:buChar char="•"/>
+            </a:pPr>
+            <a:r>
+              <a:rPr lang="ko-KR" altLang="en-US" dirty="0">
+                <a:solidFill>
+                  <a:schemeClr val="tx1"/>
+                </a:solidFill>
+              </a:rPr>
+              <a:t>이벤트 삭제</a:t>
+            </a:r>
+            <a:endParaRPr lang="en-US" altLang="ko-KR" dirty="0">
+              <a:solidFill>
+                <a:schemeClr val="tx1"/>
+              </a:solidFill>
+            </a:endParaRPr>
+          </a:p>
+          <a:p>
+            <a:pPr>
+              <a:lnSpc>
+                <a:spcPct val="150000"/>
+              </a:lnSpc>
+            </a:pPr>
+            <a:endParaRPr lang="ko-KR" altLang="en-US" dirty="0">
+              <a:solidFill>
+                <a:schemeClr val="tx1"/>
+              </a:solidFill>
+            </a:endParaRPr>
+          </a:p>
+        </p:txBody>
+      </p:sp>
+      <p:sp>
+        <p:nvSpPr>
+          <p:cNvPr id="13" name="직사각형 12">
+            <a:extLst>
+              <a:ext uri="{FF2B5EF4-FFF2-40B4-BE49-F238E27FC236}">
+                <a16:creationId xmlns:a16="http://schemas.microsoft.com/office/drawing/2014/main" id="{F615DE91-B5A7-DE36-0081-E593C0E59EC1}"/>
+              </a:ext>
+            </a:extLst>
+          </p:cNvPr>
+          <p:cNvSpPr/>
+          <p:nvPr/>
+        </p:nvSpPr>
+        <p:spPr>
+          <a:xfrm>
+            <a:off x="8589817" y="3057234"/>
+            <a:ext cx="2309091" cy="609604"/>
+          </a:xfrm>
+          <a:prstGeom prst="rect">
+            <a:avLst/>
+          </a:prstGeom>
+        </p:spPr>
+        <p:style>
+          <a:lnRef idx="2">
+            <a:schemeClr val="accent1">
+              <a:shade val="15000"/>
+            </a:schemeClr>
+          </a:lnRef>
+          <a:fillRef idx="1">
+            <a:schemeClr val="accent1"/>
+          </a:fillRef>
+          <a:effectRef idx="0">
+            <a:schemeClr val="accent1"/>
+          </a:effectRef>
+          <a:fontRef idx="minor">
+            <a:schemeClr val="lt1"/>
+          </a:fontRef>
+        </p:style>
+        <p:txBody>
+          <a:bodyPr rtlCol="0" anchor="ctr"/>
+          <a:lstStyle/>
+          <a:p>
+            <a:pPr algn="ctr"/>
+            <a:r>
+              <a:rPr lang="ko-KR" altLang="en-US" dirty="0"/>
+              <a:t>드라이브 </a:t>
+            </a:r>
+            <a:r>
+              <a:rPr lang="en-US" altLang="ko-KR" dirty="0"/>
+              <a:t>API</a:t>
+            </a:r>
+            <a:endParaRPr lang="ko-KR" altLang="en-US" dirty="0"/>
+          </a:p>
+        </p:txBody>
+      </p:sp>
+      <p:sp>
+        <p:nvSpPr>
+          <p:cNvPr id="14" name="직사각형 13">
+            <a:extLst>
+              <a:ext uri="{FF2B5EF4-FFF2-40B4-BE49-F238E27FC236}">
+                <a16:creationId xmlns:a16="http://schemas.microsoft.com/office/drawing/2014/main" id="{CDBD9674-FC6F-4343-26F8-95AA8254770C}"/>
+              </a:ext>
+            </a:extLst>
+          </p:cNvPr>
+          <p:cNvSpPr/>
+          <p:nvPr/>
+        </p:nvSpPr>
+        <p:spPr>
+          <a:xfrm>
+            <a:off x="8589817" y="3711860"/>
+            <a:ext cx="2309091" cy="1432795"/>
+          </a:xfrm>
+          <a:prstGeom prst="rect">
+            <a:avLst/>
+          </a:prstGeom>
+          <a:noFill/>
+        </p:spPr>
+        <p:style>
+          <a:lnRef idx="2">
+            <a:schemeClr val="accent6">
+              <a:shade val="15000"/>
+            </a:schemeClr>
+          </a:lnRef>
+          <a:fillRef idx="1">
+            <a:schemeClr val="accent6"/>
+          </a:fillRef>
+          <a:effectRef idx="0">
+            <a:schemeClr val="accent6"/>
+          </a:effectRef>
+          <a:fontRef idx="minor">
+            <a:schemeClr val="lt1"/>
+          </a:fontRef>
+        </p:style>
+        <p:txBody>
+          <a:bodyPr rtlCol="0" anchor="t"/>
+          <a:lstStyle/>
+          <a:p>
+            <a:pPr marL="285750" indent="-285750">
+              <a:lnSpc>
+                <a:spcPct val="150000"/>
+              </a:lnSpc>
+              <a:buFont typeface="Arial" panose="020B0604020202020204" pitchFamily="34" charset="0"/>
+              <a:buChar char="•"/>
+            </a:pPr>
+            <a:r>
+              <a:rPr lang="ko-KR" altLang="en-US" dirty="0">
+                <a:solidFill>
+                  <a:schemeClr val="tx1"/>
+                </a:solidFill>
+              </a:rPr>
+              <a:t>파일 조회</a:t>
+            </a:r>
+            <a:endParaRPr lang="en-US" altLang="ko-KR" dirty="0">
+              <a:solidFill>
+                <a:schemeClr val="tx1"/>
+              </a:solidFill>
+            </a:endParaRPr>
+          </a:p>
+          <a:p>
+            <a:pPr marL="285750" indent="-285750">
+              <a:lnSpc>
+                <a:spcPct val="150000"/>
+              </a:lnSpc>
+              <a:buFont typeface="Arial" panose="020B0604020202020204" pitchFamily="34" charset="0"/>
+              <a:buChar char="•"/>
+            </a:pPr>
+            <a:r>
+              <a:rPr lang="ko-KR" altLang="en-US" dirty="0">
+                <a:solidFill>
+                  <a:schemeClr val="tx1"/>
+                </a:solidFill>
+              </a:rPr>
+              <a:t>파일 추가</a:t>
+            </a:r>
+            <a:endParaRPr lang="en-US" altLang="ko-KR" dirty="0">
+              <a:solidFill>
+                <a:schemeClr val="tx1"/>
+              </a:solidFill>
+            </a:endParaRPr>
+          </a:p>
+          <a:p>
+            <a:pPr marL="285750" indent="-285750">
+              <a:lnSpc>
+                <a:spcPct val="150000"/>
+              </a:lnSpc>
+              <a:buFont typeface="Arial" panose="020B0604020202020204" pitchFamily="34" charset="0"/>
+              <a:buChar char="•"/>
+            </a:pPr>
+            <a:r>
+              <a:rPr lang="ko-KR" altLang="en-US" dirty="0">
+                <a:solidFill>
+                  <a:schemeClr val="tx1"/>
+                </a:solidFill>
+              </a:rPr>
+              <a:t>파일 삭제</a:t>
+            </a:r>
+          </a:p>
+        </p:txBody>
+      </p:sp>
+    </p:spTree>
+    <p:extLst>
+      <p:ext uri="{BB962C8B-B14F-4D97-AF65-F5344CB8AC3E}">
+        <p14:creationId xmlns:p14="http://schemas.microsoft.com/office/powerpoint/2010/main" val="1673364871"/>
+      </p:ext>
+    </p:extLst>
+  </p:cSld>
+  <p:clrMapOvr>
+    <a:masterClrMapping/>
+  </p:clrMapOvr>
+</p:sld>
+</file>
+
 <file path=ppt/theme/theme1.xml><?xml version="1.0" encoding="utf-8"?>
 <a:theme xmlns:a="http://schemas.openxmlformats.org/drawingml/2006/main" name="Office 테마">
   <a:themeElements>
